--- a/history 입력기 사용법.pptx
+++ b/history 입력기 사용법.pptx
@@ -293,7 +293,8 @@
           <a:p>
             <a:fld id="{A9526803-B7FA-492F-9530-15EFBEF2C837}" type="datetimeFigureOut">
               <a:rPr lang="ko-KR" altLang="en-US" smtClean="0"/>
-              <a:t>2019-01-23</a:t>
+              <a:pPr/>
+              <a:t>2019-05-23</a:t>
             </a:fld>
             <a:endParaRPr lang="ko-KR" altLang="en-US"/>
           </a:p>
@@ -335,6 +336,7 @@
           <a:p>
             <a:fld id="{15004D8E-C1D2-42BE-92DE-9E60920DADD2}" type="slidenum">
               <a:rPr lang="ko-KR" altLang="en-US" smtClean="0"/>
+              <a:pPr/>
               <a:t>‹#›</a:t>
             </a:fld>
             <a:endParaRPr lang="ko-KR" altLang="en-US"/>
@@ -458,7 +460,8 @@
           <a:p>
             <a:fld id="{A9526803-B7FA-492F-9530-15EFBEF2C837}" type="datetimeFigureOut">
               <a:rPr lang="ko-KR" altLang="en-US" smtClean="0"/>
-              <a:t>2019-01-23</a:t>
+              <a:pPr/>
+              <a:t>2019-05-23</a:t>
             </a:fld>
             <a:endParaRPr lang="ko-KR" altLang="en-US"/>
           </a:p>
@@ -500,6 +503,7 @@
           <a:p>
             <a:fld id="{15004D8E-C1D2-42BE-92DE-9E60920DADD2}" type="slidenum">
               <a:rPr lang="ko-KR" altLang="en-US" smtClean="0"/>
+              <a:pPr/>
               <a:t>‹#›</a:t>
             </a:fld>
             <a:endParaRPr lang="ko-KR" altLang="en-US"/>
@@ -633,7 +637,8 @@
           <a:p>
             <a:fld id="{A9526803-B7FA-492F-9530-15EFBEF2C837}" type="datetimeFigureOut">
               <a:rPr lang="ko-KR" altLang="en-US" smtClean="0"/>
-              <a:t>2019-01-23</a:t>
+              <a:pPr/>
+              <a:t>2019-05-23</a:t>
             </a:fld>
             <a:endParaRPr lang="ko-KR" altLang="en-US"/>
           </a:p>
@@ -675,6 +680,7 @@
           <a:p>
             <a:fld id="{15004D8E-C1D2-42BE-92DE-9E60920DADD2}" type="slidenum">
               <a:rPr lang="ko-KR" altLang="en-US" smtClean="0"/>
+              <a:pPr/>
               <a:t>‹#›</a:t>
             </a:fld>
             <a:endParaRPr lang="ko-KR" altLang="en-US"/>
@@ -798,7 +804,8 @@
           <a:p>
             <a:fld id="{A9526803-B7FA-492F-9530-15EFBEF2C837}" type="datetimeFigureOut">
               <a:rPr lang="ko-KR" altLang="en-US" smtClean="0"/>
-              <a:t>2019-01-23</a:t>
+              <a:pPr/>
+              <a:t>2019-05-23</a:t>
             </a:fld>
             <a:endParaRPr lang="ko-KR" altLang="en-US"/>
           </a:p>
@@ -840,6 +847,7 @@
           <a:p>
             <a:fld id="{15004D8E-C1D2-42BE-92DE-9E60920DADD2}" type="slidenum">
               <a:rPr lang="ko-KR" altLang="en-US" smtClean="0"/>
+              <a:pPr/>
               <a:t>‹#›</a:t>
             </a:fld>
             <a:endParaRPr lang="ko-KR" altLang="en-US"/>
@@ -1039,7 +1047,8 @@
           <a:p>
             <a:fld id="{A9526803-B7FA-492F-9530-15EFBEF2C837}" type="datetimeFigureOut">
               <a:rPr lang="ko-KR" altLang="en-US" smtClean="0"/>
-              <a:t>2019-01-23</a:t>
+              <a:pPr/>
+              <a:t>2019-05-23</a:t>
             </a:fld>
             <a:endParaRPr lang="ko-KR" altLang="en-US"/>
           </a:p>
@@ -1081,6 +1090,7 @@
           <a:p>
             <a:fld id="{15004D8E-C1D2-42BE-92DE-9E60920DADD2}" type="slidenum">
               <a:rPr lang="ko-KR" altLang="en-US" smtClean="0"/>
+              <a:pPr/>
               <a:t>‹#›</a:t>
             </a:fld>
             <a:endParaRPr lang="ko-KR" altLang="en-US"/>
@@ -1322,7 +1332,8 @@
           <a:p>
             <a:fld id="{A9526803-B7FA-492F-9530-15EFBEF2C837}" type="datetimeFigureOut">
               <a:rPr lang="ko-KR" altLang="en-US" smtClean="0"/>
-              <a:t>2019-01-23</a:t>
+              <a:pPr/>
+              <a:t>2019-05-23</a:t>
             </a:fld>
             <a:endParaRPr lang="ko-KR" altLang="en-US"/>
           </a:p>
@@ -1364,6 +1375,7 @@
           <a:p>
             <a:fld id="{15004D8E-C1D2-42BE-92DE-9E60920DADD2}" type="slidenum">
               <a:rPr lang="ko-KR" altLang="en-US" smtClean="0"/>
+              <a:pPr/>
               <a:t>‹#›</a:t>
             </a:fld>
             <a:endParaRPr lang="ko-KR" altLang="en-US"/>
@@ -1739,7 +1751,8 @@
           <a:p>
             <a:fld id="{A9526803-B7FA-492F-9530-15EFBEF2C837}" type="datetimeFigureOut">
               <a:rPr lang="ko-KR" altLang="en-US" smtClean="0"/>
-              <a:t>2019-01-23</a:t>
+              <a:pPr/>
+              <a:t>2019-05-23</a:t>
             </a:fld>
             <a:endParaRPr lang="ko-KR" altLang="en-US"/>
           </a:p>
@@ -1781,6 +1794,7 @@
           <a:p>
             <a:fld id="{15004D8E-C1D2-42BE-92DE-9E60920DADD2}" type="slidenum">
               <a:rPr lang="ko-KR" altLang="en-US" smtClean="0"/>
+              <a:pPr/>
               <a:t>‹#›</a:t>
             </a:fld>
             <a:endParaRPr lang="ko-KR" altLang="en-US"/>
@@ -1852,7 +1866,8 @@
           <a:p>
             <a:fld id="{A9526803-B7FA-492F-9530-15EFBEF2C837}" type="datetimeFigureOut">
               <a:rPr lang="ko-KR" altLang="en-US" smtClean="0"/>
-              <a:t>2019-01-23</a:t>
+              <a:pPr/>
+              <a:t>2019-05-23</a:t>
             </a:fld>
             <a:endParaRPr lang="ko-KR" altLang="en-US"/>
           </a:p>
@@ -1894,6 +1909,7 @@
           <a:p>
             <a:fld id="{15004D8E-C1D2-42BE-92DE-9E60920DADD2}" type="slidenum">
               <a:rPr lang="ko-KR" altLang="en-US" smtClean="0"/>
+              <a:pPr/>
               <a:t>‹#›</a:t>
             </a:fld>
             <a:endParaRPr lang="ko-KR" altLang="en-US"/>
@@ -1942,7 +1958,8 @@
           <a:p>
             <a:fld id="{A9526803-B7FA-492F-9530-15EFBEF2C837}" type="datetimeFigureOut">
               <a:rPr lang="ko-KR" altLang="en-US" smtClean="0"/>
-              <a:t>2019-01-23</a:t>
+              <a:pPr/>
+              <a:t>2019-05-23</a:t>
             </a:fld>
             <a:endParaRPr lang="ko-KR" altLang="en-US"/>
           </a:p>
@@ -1984,6 +2001,7 @@
           <a:p>
             <a:fld id="{15004D8E-C1D2-42BE-92DE-9E60920DADD2}" type="slidenum">
               <a:rPr lang="ko-KR" altLang="en-US" smtClean="0"/>
+              <a:pPr/>
               <a:t>‹#›</a:t>
             </a:fld>
             <a:endParaRPr lang="ko-KR" altLang="en-US"/>
@@ -2214,7 +2232,8 @@
           <a:p>
             <a:fld id="{A9526803-B7FA-492F-9530-15EFBEF2C837}" type="datetimeFigureOut">
               <a:rPr lang="ko-KR" altLang="en-US" smtClean="0"/>
-              <a:t>2019-01-23</a:t>
+              <a:pPr/>
+              <a:t>2019-05-23</a:t>
             </a:fld>
             <a:endParaRPr lang="ko-KR" altLang="en-US"/>
           </a:p>
@@ -2256,6 +2275,7 @@
           <a:p>
             <a:fld id="{15004D8E-C1D2-42BE-92DE-9E60920DADD2}" type="slidenum">
               <a:rPr lang="ko-KR" altLang="en-US" smtClean="0"/>
+              <a:pPr/>
               <a:t>‹#›</a:t>
             </a:fld>
             <a:endParaRPr lang="ko-KR" altLang="en-US"/>
@@ -2462,7 +2482,8 @@
           <a:p>
             <a:fld id="{A9526803-B7FA-492F-9530-15EFBEF2C837}" type="datetimeFigureOut">
               <a:rPr lang="ko-KR" altLang="en-US" smtClean="0"/>
-              <a:t>2019-01-23</a:t>
+              <a:pPr/>
+              <a:t>2019-05-23</a:t>
             </a:fld>
             <a:endParaRPr lang="ko-KR" altLang="en-US"/>
           </a:p>
@@ -2504,6 +2525,7 @@
           <a:p>
             <a:fld id="{15004D8E-C1D2-42BE-92DE-9E60920DADD2}" type="slidenum">
               <a:rPr lang="ko-KR" altLang="en-US" smtClean="0"/>
+              <a:pPr/>
               <a:t>‹#›</a:t>
             </a:fld>
             <a:endParaRPr lang="ko-KR" altLang="en-US"/>
@@ -2670,7 +2692,8 @@
           <a:p>
             <a:fld id="{A9526803-B7FA-492F-9530-15EFBEF2C837}" type="datetimeFigureOut">
               <a:rPr lang="ko-KR" altLang="en-US" smtClean="0"/>
-              <a:t>2019-01-23</a:t>
+              <a:pPr/>
+              <a:t>2019-05-23</a:t>
             </a:fld>
             <a:endParaRPr lang="ko-KR" altLang="en-US"/>
           </a:p>
@@ -2748,6 +2771,7 @@
           <a:p>
             <a:fld id="{15004D8E-C1D2-42BE-92DE-9E60920DADD2}" type="slidenum">
               <a:rPr lang="ko-KR" altLang="en-US" smtClean="0"/>
+              <a:pPr/>
               <a:t>‹#›</a:t>
             </a:fld>
             <a:endParaRPr lang="ko-KR" altLang="en-US"/>
@@ -3715,6 +3739,38 @@
           </a:p>
         </p:txBody>
       </p:sp>
+      <p:pic>
+        <p:nvPicPr>
+          <p:cNvPr id="1026" name="Picture 2"/>
+          <p:cNvPicPr>
+            <a:picLocks noChangeAspect="1" noChangeArrowheads="1"/>
+          </p:cNvPicPr>
+          <p:nvPr/>
+        </p:nvPicPr>
+        <p:blipFill>
+          <a:blip r:embed="rId4" cstate="print"/>
+          <a:srcRect l="51874" t="71833" r="40448" b="168"/>
+          <a:stretch>
+            <a:fillRect/>
+          </a:stretch>
+        </p:blipFill>
+        <p:spPr bwMode="auto">
+          <a:xfrm>
+            <a:off x="-2484784" y="2924944"/>
+            <a:ext cx="2808312" cy="2880320"/>
+          </a:xfrm>
+          <a:prstGeom prst="rect">
+            <a:avLst/>
+          </a:prstGeom>
+          <a:noFill/>
+          <a:ln w="9525">
+            <a:noFill/>
+            <a:miter lim="800000"/>
+            <a:headEnd/>
+            <a:tailEnd/>
+          </a:ln>
+        </p:spPr>
+      </p:pic>
     </p:spTree>
   </p:cSld>
   <p:clrMapOvr>

--- a/history 입력기 사용법.pptx
+++ b/history 입력기 사용법.pptx
@@ -294,7 +294,7 @@
             <a:fld id="{A9526803-B7FA-492F-9530-15EFBEF2C837}" type="datetimeFigureOut">
               <a:rPr lang="ko-KR" altLang="en-US" smtClean="0"/>
               <a:pPr/>
-              <a:t>2019-05-23</a:t>
+              <a:t>2019-05-31</a:t>
             </a:fld>
             <a:endParaRPr lang="ko-KR" altLang="en-US"/>
           </a:p>
@@ -461,7 +461,7 @@
             <a:fld id="{A9526803-B7FA-492F-9530-15EFBEF2C837}" type="datetimeFigureOut">
               <a:rPr lang="ko-KR" altLang="en-US" smtClean="0"/>
               <a:pPr/>
-              <a:t>2019-05-23</a:t>
+              <a:t>2019-05-31</a:t>
             </a:fld>
             <a:endParaRPr lang="ko-KR" altLang="en-US"/>
           </a:p>
@@ -638,7 +638,7 @@
             <a:fld id="{A9526803-B7FA-492F-9530-15EFBEF2C837}" type="datetimeFigureOut">
               <a:rPr lang="ko-KR" altLang="en-US" smtClean="0"/>
               <a:pPr/>
-              <a:t>2019-05-23</a:t>
+              <a:t>2019-05-31</a:t>
             </a:fld>
             <a:endParaRPr lang="ko-KR" altLang="en-US"/>
           </a:p>
@@ -805,7 +805,7 @@
             <a:fld id="{A9526803-B7FA-492F-9530-15EFBEF2C837}" type="datetimeFigureOut">
               <a:rPr lang="ko-KR" altLang="en-US" smtClean="0"/>
               <a:pPr/>
-              <a:t>2019-05-23</a:t>
+              <a:t>2019-05-31</a:t>
             </a:fld>
             <a:endParaRPr lang="ko-KR" altLang="en-US"/>
           </a:p>
@@ -1048,7 +1048,7 @@
             <a:fld id="{A9526803-B7FA-492F-9530-15EFBEF2C837}" type="datetimeFigureOut">
               <a:rPr lang="ko-KR" altLang="en-US" smtClean="0"/>
               <a:pPr/>
-              <a:t>2019-05-23</a:t>
+              <a:t>2019-05-31</a:t>
             </a:fld>
             <a:endParaRPr lang="ko-KR" altLang="en-US"/>
           </a:p>
@@ -1333,7 +1333,7 @@
             <a:fld id="{A9526803-B7FA-492F-9530-15EFBEF2C837}" type="datetimeFigureOut">
               <a:rPr lang="ko-KR" altLang="en-US" smtClean="0"/>
               <a:pPr/>
-              <a:t>2019-05-23</a:t>
+              <a:t>2019-05-31</a:t>
             </a:fld>
             <a:endParaRPr lang="ko-KR" altLang="en-US"/>
           </a:p>
@@ -1752,7 +1752,7 @@
             <a:fld id="{A9526803-B7FA-492F-9530-15EFBEF2C837}" type="datetimeFigureOut">
               <a:rPr lang="ko-KR" altLang="en-US" smtClean="0"/>
               <a:pPr/>
-              <a:t>2019-05-23</a:t>
+              <a:t>2019-05-31</a:t>
             </a:fld>
             <a:endParaRPr lang="ko-KR" altLang="en-US"/>
           </a:p>
@@ -1867,7 +1867,7 @@
             <a:fld id="{A9526803-B7FA-492F-9530-15EFBEF2C837}" type="datetimeFigureOut">
               <a:rPr lang="ko-KR" altLang="en-US" smtClean="0"/>
               <a:pPr/>
-              <a:t>2019-05-23</a:t>
+              <a:t>2019-05-31</a:t>
             </a:fld>
             <a:endParaRPr lang="ko-KR" altLang="en-US"/>
           </a:p>
@@ -1959,7 +1959,7 @@
             <a:fld id="{A9526803-B7FA-492F-9530-15EFBEF2C837}" type="datetimeFigureOut">
               <a:rPr lang="ko-KR" altLang="en-US" smtClean="0"/>
               <a:pPr/>
-              <a:t>2019-05-23</a:t>
+              <a:t>2019-05-31</a:t>
             </a:fld>
             <a:endParaRPr lang="ko-KR" altLang="en-US"/>
           </a:p>
@@ -2233,7 +2233,7 @@
             <a:fld id="{A9526803-B7FA-492F-9530-15EFBEF2C837}" type="datetimeFigureOut">
               <a:rPr lang="ko-KR" altLang="en-US" smtClean="0"/>
               <a:pPr/>
-              <a:t>2019-05-23</a:t>
+              <a:t>2019-05-31</a:t>
             </a:fld>
             <a:endParaRPr lang="ko-KR" altLang="en-US"/>
           </a:p>
@@ -2483,7 +2483,7 @@
             <a:fld id="{A9526803-B7FA-492F-9530-15EFBEF2C837}" type="datetimeFigureOut">
               <a:rPr lang="ko-KR" altLang="en-US" smtClean="0"/>
               <a:pPr/>
-              <a:t>2019-05-23</a:t>
+              <a:t>2019-05-31</a:t>
             </a:fld>
             <a:endParaRPr lang="ko-KR" altLang="en-US"/>
           </a:p>
@@ -2693,7 +2693,7 @@
             <a:fld id="{A9526803-B7FA-492F-9530-15EFBEF2C837}" type="datetimeFigureOut">
               <a:rPr lang="ko-KR" altLang="en-US" smtClean="0"/>
               <a:pPr/>
-              <a:t>2019-05-23</a:t>
+              <a:t>2019-05-31</a:t>
             </a:fld>
             <a:endParaRPr lang="ko-KR" altLang="en-US"/>
           </a:p>
@@ -3234,12 +3234,25 @@
             </a:r>
             <a:r>
               <a:rPr lang="ko-KR" altLang="en-US" sz="2000" dirty="0" smtClean="0"/>
-              <a:t>크롬을 사용해주세요</a:t>
-            </a:r>
-            <a:r>
-              <a:rPr lang="en-US" altLang="ko-KR" sz="2000" dirty="0" smtClean="0"/>
-              <a:t>.</a:t>
-            </a:r>
+              <a:t>크롬을 </a:t>
+            </a:r>
+            <a:r>
+              <a:rPr lang="ko-KR" altLang="en-US" sz="2000" smtClean="0"/>
+              <a:t>사용해주세요</a:t>
+            </a:r>
+            <a:r>
+              <a:rPr lang="en-US" altLang="ko-KR" sz="2000" smtClean="0"/>
+              <a:t>.(</a:t>
+            </a:r>
+            <a:r>
+              <a:rPr lang="ko-KR" altLang="en-US" sz="2000" smtClean="0"/>
+              <a:t>인터넷 연결 필수</a:t>
+            </a:r>
+            <a:r>
+              <a:rPr lang="en-US" altLang="ko-KR" sz="2000" smtClean="0"/>
+              <a:t>)</a:t>
+            </a:r>
+            <a:endParaRPr lang="en-US" altLang="ko-KR" sz="2000" dirty="0" smtClean="0"/>
           </a:p>
           <a:p>
             <a:pPr marL="457200" indent="-457200">

--- a/history 입력기 사용법.pptx
+++ b/history 입력기 사용법.pptx
@@ -109,6 +109,22 @@
       </a:defRPr>
     </a:lvl9pPr>
   </p:defaultTextStyle>
+  <p:extLst>
+    <p:ext uri="{EFAFB233-063F-42B5-8137-9DF3F51BA10A}">
+      <p15:sldGuideLst xmlns:p15="http://schemas.microsoft.com/office/powerpoint/2012/main">
+        <p15:guide id="1" orient="horz" pos="2160">
+          <p15:clr>
+            <a:srgbClr val="A4A3A4"/>
+          </p15:clr>
+        </p15:guide>
+        <p15:guide id="2" pos="2880">
+          <p15:clr>
+            <a:srgbClr val="A4A3A4"/>
+          </p15:clr>
+        </p15:guide>
+      </p15:sldGuideLst>
+    </p:ext>
+  </p:extLst>
 </p:presentation>
 </file>
 
@@ -150,10 +166,9 @@
           <a:lstStyle/>
           <a:p>
             <a:r>
-              <a:rPr lang="ko-KR" altLang="en-US" smtClean="0"/>
+              <a:rPr lang="ko-KR" altLang="en-US"/>
               <a:t>마스터 제목 스타일 편집</a:t>
             </a:r>
-            <a:endParaRPr lang="ko-KR" altLang="en-US"/>
           </a:p>
         </p:txBody>
       </p:sp>
@@ -269,10 +284,9 @@
           </a:lstStyle>
           <a:p>
             <a:r>
-              <a:rPr lang="ko-KR" altLang="en-US" smtClean="0"/>
+              <a:rPr lang="ko-KR" altLang="en-US"/>
               <a:t>마스터 부제목 스타일 편집</a:t>
             </a:r>
-            <a:endParaRPr lang="ko-KR" altLang="en-US"/>
           </a:p>
         </p:txBody>
       </p:sp>
@@ -294,7 +308,7 @@
             <a:fld id="{A9526803-B7FA-492F-9530-15EFBEF2C837}" type="datetimeFigureOut">
               <a:rPr lang="ko-KR" altLang="en-US" smtClean="0"/>
               <a:pPr/>
-              <a:t>2019-05-31</a:t>
+              <a:t>2019-09-05</a:t>
             </a:fld>
             <a:endParaRPr lang="ko-KR" altLang="en-US"/>
           </a:p>
@@ -384,10 +398,9 @@
           <a:lstStyle/>
           <a:p>
             <a:r>
-              <a:rPr lang="ko-KR" altLang="en-US" smtClean="0"/>
+              <a:rPr lang="ko-KR" altLang="en-US"/>
               <a:t>마스터 제목 스타일 편집</a:t>
             </a:r>
-            <a:endParaRPr lang="ko-KR" altLang="en-US"/>
           </a:p>
         </p:txBody>
       </p:sp>
@@ -408,38 +421,37 @@
           <a:p>
             <a:pPr lvl="0"/>
             <a:r>
-              <a:rPr lang="ko-KR" altLang="en-US" smtClean="0"/>
+              <a:rPr lang="ko-KR" altLang="en-US"/>
               <a:t>마스터 텍스트 스타일을 편집합니다</a:t>
             </a:r>
           </a:p>
           <a:p>
             <a:pPr lvl="1"/>
             <a:r>
-              <a:rPr lang="ko-KR" altLang="en-US" smtClean="0"/>
+              <a:rPr lang="ko-KR" altLang="en-US"/>
               <a:t>둘째 수준</a:t>
             </a:r>
           </a:p>
           <a:p>
             <a:pPr lvl="2"/>
             <a:r>
-              <a:rPr lang="ko-KR" altLang="en-US" smtClean="0"/>
+              <a:rPr lang="ko-KR" altLang="en-US"/>
               <a:t>셋째 수준</a:t>
             </a:r>
           </a:p>
           <a:p>
             <a:pPr lvl="3"/>
             <a:r>
-              <a:rPr lang="ko-KR" altLang="en-US" smtClean="0"/>
+              <a:rPr lang="ko-KR" altLang="en-US"/>
               <a:t>넷째 수준</a:t>
             </a:r>
           </a:p>
           <a:p>
             <a:pPr lvl="4"/>
             <a:r>
-              <a:rPr lang="ko-KR" altLang="en-US" smtClean="0"/>
+              <a:rPr lang="ko-KR" altLang="en-US"/>
               <a:t>다섯째 수준</a:t>
             </a:r>
-            <a:endParaRPr lang="ko-KR" altLang="en-US"/>
           </a:p>
         </p:txBody>
       </p:sp>
@@ -461,7 +473,7 @@
             <a:fld id="{A9526803-B7FA-492F-9530-15EFBEF2C837}" type="datetimeFigureOut">
               <a:rPr lang="ko-KR" altLang="en-US" smtClean="0"/>
               <a:pPr/>
-              <a:t>2019-05-31</a:t>
+              <a:t>2019-09-05</a:t>
             </a:fld>
             <a:endParaRPr lang="ko-KR" altLang="en-US"/>
           </a:p>
@@ -556,10 +568,9 @@
           <a:lstStyle/>
           <a:p>
             <a:r>
-              <a:rPr lang="ko-KR" altLang="en-US" smtClean="0"/>
+              <a:rPr lang="ko-KR" altLang="en-US"/>
               <a:t>마스터 제목 스타일 편집</a:t>
             </a:r>
-            <a:endParaRPr lang="ko-KR" altLang="en-US"/>
           </a:p>
         </p:txBody>
       </p:sp>
@@ -585,38 +596,37 @@
           <a:p>
             <a:pPr lvl="0"/>
             <a:r>
-              <a:rPr lang="ko-KR" altLang="en-US" smtClean="0"/>
+              <a:rPr lang="ko-KR" altLang="en-US"/>
               <a:t>마스터 텍스트 스타일을 편집합니다</a:t>
             </a:r>
           </a:p>
           <a:p>
             <a:pPr lvl="1"/>
             <a:r>
-              <a:rPr lang="ko-KR" altLang="en-US" smtClean="0"/>
+              <a:rPr lang="ko-KR" altLang="en-US"/>
               <a:t>둘째 수준</a:t>
             </a:r>
           </a:p>
           <a:p>
             <a:pPr lvl="2"/>
             <a:r>
-              <a:rPr lang="ko-KR" altLang="en-US" smtClean="0"/>
+              <a:rPr lang="ko-KR" altLang="en-US"/>
               <a:t>셋째 수준</a:t>
             </a:r>
           </a:p>
           <a:p>
             <a:pPr lvl="3"/>
             <a:r>
-              <a:rPr lang="ko-KR" altLang="en-US" smtClean="0"/>
+              <a:rPr lang="ko-KR" altLang="en-US"/>
               <a:t>넷째 수준</a:t>
             </a:r>
           </a:p>
           <a:p>
             <a:pPr lvl="4"/>
             <a:r>
-              <a:rPr lang="ko-KR" altLang="en-US" smtClean="0"/>
+              <a:rPr lang="ko-KR" altLang="en-US"/>
               <a:t>다섯째 수준</a:t>
             </a:r>
-            <a:endParaRPr lang="ko-KR" altLang="en-US"/>
           </a:p>
         </p:txBody>
       </p:sp>
@@ -638,7 +648,7 @@
             <a:fld id="{A9526803-B7FA-492F-9530-15EFBEF2C837}" type="datetimeFigureOut">
               <a:rPr lang="ko-KR" altLang="en-US" smtClean="0"/>
               <a:pPr/>
-              <a:t>2019-05-31</a:t>
+              <a:t>2019-09-05</a:t>
             </a:fld>
             <a:endParaRPr lang="ko-KR" altLang="en-US"/>
           </a:p>
@@ -728,10 +738,9 @@
           <a:lstStyle/>
           <a:p>
             <a:r>
-              <a:rPr lang="ko-KR" altLang="en-US" smtClean="0"/>
+              <a:rPr lang="ko-KR" altLang="en-US"/>
               <a:t>마스터 제목 스타일 편집</a:t>
             </a:r>
-            <a:endParaRPr lang="ko-KR" altLang="en-US"/>
           </a:p>
         </p:txBody>
       </p:sp>
@@ -752,38 +761,37 @@
           <a:p>
             <a:pPr lvl="0"/>
             <a:r>
-              <a:rPr lang="ko-KR" altLang="en-US" smtClean="0"/>
+              <a:rPr lang="ko-KR" altLang="en-US"/>
               <a:t>마스터 텍스트 스타일을 편집합니다</a:t>
             </a:r>
           </a:p>
           <a:p>
             <a:pPr lvl="1"/>
             <a:r>
-              <a:rPr lang="ko-KR" altLang="en-US" smtClean="0"/>
+              <a:rPr lang="ko-KR" altLang="en-US"/>
               <a:t>둘째 수준</a:t>
             </a:r>
           </a:p>
           <a:p>
             <a:pPr lvl="2"/>
             <a:r>
-              <a:rPr lang="ko-KR" altLang="en-US" smtClean="0"/>
+              <a:rPr lang="ko-KR" altLang="en-US"/>
               <a:t>셋째 수준</a:t>
             </a:r>
           </a:p>
           <a:p>
             <a:pPr lvl="3"/>
             <a:r>
-              <a:rPr lang="ko-KR" altLang="en-US" smtClean="0"/>
+              <a:rPr lang="ko-KR" altLang="en-US"/>
               <a:t>넷째 수준</a:t>
             </a:r>
           </a:p>
           <a:p>
             <a:pPr lvl="4"/>
             <a:r>
-              <a:rPr lang="ko-KR" altLang="en-US" smtClean="0"/>
+              <a:rPr lang="ko-KR" altLang="en-US"/>
               <a:t>다섯째 수준</a:t>
             </a:r>
-            <a:endParaRPr lang="ko-KR" altLang="en-US"/>
           </a:p>
         </p:txBody>
       </p:sp>
@@ -805,7 +813,7 @@
             <a:fld id="{A9526803-B7FA-492F-9530-15EFBEF2C837}" type="datetimeFigureOut">
               <a:rPr lang="ko-KR" altLang="en-US" smtClean="0"/>
               <a:pPr/>
-              <a:t>2019-05-31</a:t>
+              <a:t>2019-09-05</a:t>
             </a:fld>
             <a:endParaRPr lang="ko-KR" altLang="en-US"/>
           </a:p>
@@ -904,10 +912,9 @@
           </a:lstStyle>
           <a:p>
             <a:r>
-              <a:rPr lang="ko-KR" altLang="en-US" smtClean="0"/>
+              <a:rPr lang="ko-KR" altLang="en-US"/>
               <a:t>마스터 제목 스타일 편집</a:t>
             </a:r>
-            <a:endParaRPr lang="ko-KR" altLang="en-US"/>
           </a:p>
         </p:txBody>
       </p:sp>
@@ -1024,7 +1031,7 @@
           <a:p>
             <a:pPr lvl="0"/>
             <a:r>
-              <a:rPr lang="ko-KR" altLang="en-US" smtClean="0"/>
+              <a:rPr lang="ko-KR" altLang="en-US"/>
               <a:t>마스터 텍스트 스타일을 편집합니다</a:t>
             </a:r>
           </a:p>
@@ -1048,7 +1055,7 @@
             <a:fld id="{A9526803-B7FA-492F-9530-15EFBEF2C837}" type="datetimeFigureOut">
               <a:rPr lang="ko-KR" altLang="en-US" smtClean="0"/>
               <a:pPr/>
-              <a:t>2019-05-31</a:t>
+              <a:t>2019-09-05</a:t>
             </a:fld>
             <a:endParaRPr lang="ko-KR" altLang="en-US"/>
           </a:p>
@@ -1138,10 +1145,9 @@
           <a:lstStyle/>
           <a:p>
             <a:r>
-              <a:rPr lang="ko-KR" altLang="en-US" smtClean="0"/>
+              <a:rPr lang="ko-KR" altLang="en-US"/>
               <a:t>마스터 제목 스타일 편집</a:t>
             </a:r>
-            <a:endParaRPr lang="ko-KR" altLang="en-US"/>
           </a:p>
         </p:txBody>
       </p:sp>
@@ -1195,38 +1201,37 @@
           <a:p>
             <a:pPr lvl="0"/>
             <a:r>
-              <a:rPr lang="ko-KR" altLang="en-US" smtClean="0"/>
+              <a:rPr lang="ko-KR" altLang="en-US"/>
               <a:t>마스터 텍스트 스타일을 편집합니다</a:t>
             </a:r>
           </a:p>
           <a:p>
             <a:pPr lvl="1"/>
             <a:r>
-              <a:rPr lang="ko-KR" altLang="en-US" smtClean="0"/>
+              <a:rPr lang="ko-KR" altLang="en-US"/>
               <a:t>둘째 수준</a:t>
             </a:r>
           </a:p>
           <a:p>
             <a:pPr lvl="2"/>
             <a:r>
-              <a:rPr lang="ko-KR" altLang="en-US" smtClean="0"/>
+              <a:rPr lang="ko-KR" altLang="en-US"/>
               <a:t>셋째 수준</a:t>
             </a:r>
           </a:p>
           <a:p>
             <a:pPr lvl="3"/>
             <a:r>
-              <a:rPr lang="ko-KR" altLang="en-US" smtClean="0"/>
+              <a:rPr lang="ko-KR" altLang="en-US"/>
               <a:t>넷째 수준</a:t>
             </a:r>
           </a:p>
           <a:p>
             <a:pPr lvl="4"/>
             <a:r>
-              <a:rPr lang="ko-KR" altLang="en-US" smtClean="0"/>
+              <a:rPr lang="ko-KR" altLang="en-US"/>
               <a:t>다섯째 수준</a:t>
             </a:r>
-            <a:endParaRPr lang="ko-KR" altLang="en-US"/>
           </a:p>
         </p:txBody>
       </p:sp>
@@ -1280,38 +1285,37 @@
           <a:p>
             <a:pPr lvl="0"/>
             <a:r>
-              <a:rPr lang="ko-KR" altLang="en-US" smtClean="0"/>
+              <a:rPr lang="ko-KR" altLang="en-US"/>
               <a:t>마스터 텍스트 스타일을 편집합니다</a:t>
             </a:r>
           </a:p>
           <a:p>
             <a:pPr lvl="1"/>
             <a:r>
-              <a:rPr lang="ko-KR" altLang="en-US" smtClean="0"/>
+              <a:rPr lang="ko-KR" altLang="en-US"/>
               <a:t>둘째 수준</a:t>
             </a:r>
           </a:p>
           <a:p>
             <a:pPr lvl="2"/>
             <a:r>
-              <a:rPr lang="ko-KR" altLang="en-US" smtClean="0"/>
+              <a:rPr lang="ko-KR" altLang="en-US"/>
               <a:t>셋째 수준</a:t>
             </a:r>
           </a:p>
           <a:p>
             <a:pPr lvl="3"/>
             <a:r>
-              <a:rPr lang="ko-KR" altLang="en-US" smtClean="0"/>
+              <a:rPr lang="ko-KR" altLang="en-US"/>
               <a:t>넷째 수준</a:t>
             </a:r>
           </a:p>
           <a:p>
             <a:pPr lvl="4"/>
             <a:r>
-              <a:rPr lang="ko-KR" altLang="en-US" smtClean="0"/>
+              <a:rPr lang="ko-KR" altLang="en-US"/>
               <a:t>다섯째 수준</a:t>
             </a:r>
-            <a:endParaRPr lang="ko-KR" altLang="en-US"/>
           </a:p>
         </p:txBody>
       </p:sp>
@@ -1333,7 +1337,7 @@
             <a:fld id="{A9526803-B7FA-492F-9530-15EFBEF2C837}" type="datetimeFigureOut">
               <a:rPr lang="ko-KR" altLang="en-US" smtClean="0"/>
               <a:pPr/>
-              <a:t>2019-05-31</a:t>
+              <a:t>2019-09-05</a:t>
             </a:fld>
             <a:endParaRPr lang="ko-KR" altLang="en-US"/>
           </a:p>
@@ -1427,10 +1431,9 @@
           </a:lstStyle>
           <a:p>
             <a:r>
-              <a:rPr lang="ko-KR" altLang="en-US" smtClean="0"/>
+              <a:rPr lang="ko-KR" altLang="en-US"/>
               <a:t>마스터 제목 스타일 편집</a:t>
             </a:r>
-            <a:endParaRPr lang="ko-KR" altLang="en-US"/>
           </a:p>
         </p:txBody>
       </p:sp>
@@ -1493,7 +1496,7 @@
           <a:p>
             <a:pPr lvl="0"/>
             <a:r>
-              <a:rPr lang="ko-KR" altLang="en-US" smtClean="0"/>
+              <a:rPr lang="ko-KR" altLang="en-US"/>
               <a:t>마스터 텍스트 스타일을 편집합니다</a:t>
             </a:r>
           </a:p>
@@ -1549,38 +1552,37 @@
           <a:p>
             <a:pPr lvl="0"/>
             <a:r>
-              <a:rPr lang="ko-KR" altLang="en-US" smtClean="0"/>
+              <a:rPr lang="ko-KR" altLang="en-US"/>
               <a:t>마스터 텍스트 스타일을 편집합니다</a:t>
             </a:r>
           </a:p>
           <a:p>
             <a:pPr lvl="1"/>
             <a:r>
-              <a:rPr lang="ko-KR" altLang="en-US" smtClean="0"/>
+              <a:rPr lang="ko-KR" altLang="en-US"/>
               <a:t>둘째 수준</a:t>
             </a:r>
           </a:p>
           <a:p>
             <a:pPr lvl="2"/>
             <a:r>
-              <a:rPr lang="ko-KR" altLang="en-US" smtClean="0"/>
+              <a:rPr lang="ko-KR" altLang="en-US"/>
               <a:t>셋째 수준</a:t>
             </a:r>
           </a:p>
           <a:p>
             <a:pPr lvl="3"/>
             <a:r>
-              <a:rPr lang="ko-KR" altLang="en-US" smtClean="0"/>
+              <a:rPr lang="ko-KR" altLang="en-US"/>
               <a:t>넷째 수준</a:t>
             </a:r>
           </a:p>
           <a:p>
             <a:pPr lvl="4"/>
             <a:r>
-              <a:rPr lang="ko-KR" altLang="en-US" smtClean="0"/>
+              <a:rPr lang="ko-KR" altLang="en-US"/>
               <a:t>다섯째 수준</a:t>
             </a:r>
-            <a:endParaRPr lang="ko-KR" altLang="en-US"/>
           </a:p>
         </p:txBody>
       </p:sp>
@@ -1643,7 +1645,7 @@
           <a:p>
             <a:pPr lvl="0"/>
             <a:r>
-              <a:rPr lang="ko-KR" altLang="en-US" smtClean="0"/>
+              <a:rPr lang="ko-KR" altLang="en-US"/>
               <a:t>마스터 텍스트 스타일을 편집합니다</a:t>
             </a:r>
           </a:p>
@@ -1699,38 +1701,37 @@
           <a:p>
             <a:pPr lvl="0"/>
             <a:r>
-              <a:rPr lang="ko-KR" altLang="en-US" smtClean="0"/>
+              <a:rPr lang="ko-KR" altLang="en-US"/>
               <a:t>마스터 텍스트 스타일을 편집합니다</a:t>
             </a:r>
           </a:p>
           <a:p>
             <a:pPr lvl="1"/>
             <a:r>
-              <a:rPr lang="ko-KR" altLang="en-US" smtClean="0"/>
+              <a:rPr lang="ko-KR" altLang="en-US"/>
               <a:t>둘째 수준</a:t>
             </a:r>
           </a:p>
           <a:p>
             <a:pPr lvl="2"/>
             <a:r>
-              <a:rPr lang="ko-KR" altLang="en-US" smtClean="0"/>
+              <a:rPr lang="ko-KR" altLang="en-US"/>
               <a:t>셋째 수준</a:t>
             </a:r>
           </a:p>
           <a:p>
             <a:pPr lvl="3"/>
             <a:r>
-              <a:rPr lang="ko-KR" altLang="en-US" smtClean="0"/>
+              <a:rPr lang="ko-KR" altLang="en-US"/>
               <a:t>넷째 수준</a:t>
             </a:r>
           </a:p>
           <a:p>
             <a:pPr lvl="4"/>
             <a:r>
-              <a:rPr lang="ko-KR" altLang="en-US" smtClean="0"/>
+              <a:rPr lang="ko-KR" altLang="en-US"/>
               <a:t>다섯째 수준</a:t>
             </a:r>
-            <a:endParaRPr lang="ko-KR" altLang="en-US"/>
           </a:p>
         </p:txBody>
       </p:sp>
@@ -1752,7 +1753,7 @@
             <a:fld id="{A9526803-B7FA-492F-9530-15EFBEF2C837}" type="datetimeFigureOut">
               <a:rPr lang="ko-KR" altLang="en-US" smtClean="0"/>
               <a:pPr/>
-              <a:t>2019-05-31</a:t>
+              <a:t>2019-09-05</a:t>
             </a:fld>
             <a:endParaRPr lang="ko-KR" altLang="en-US"/>
           </a:p>
@@ -1842,10 +1843,9 @@
           <a:lstStyle/>
           <a:p>
             <a:r>
-              <a:rPr lang="ko-KR" altLang="en-US" smtClean="0"/>
+              <a:rPr lang="ko-KR" altLang="en-US"/>
               <a:t>마스터 제목 스타일 편집</a:t>
             </a:r>
-            <a:endParaRPr lang="ko-KR" altLang="en-US"/>
           </a:p>
         </p:txBody>
       </p:sp>
@@ -1867,7 +1867,7 @@
             <a:fld id="{A9526803-B7FA-492F-9530-15EFBEF2C837}" type="datetimeFigureOut">
               <a:rPr lang="ko-KR" altLang="en-US" smtClean="0"/>
               <a:pPr/>
-              <a:t>2019-05-31</a:t>
+              <a:t>2019-09-05</a:t>
             </a:fld>
             <a:endParaRPr lang="ko-KR" altLang="en-US"/>
           </a:p>
@@ -1959,7 +1959,7 @@
             <a:fld id="{A9526803-B7FA-492F-9530-15EFBEF2C837}" type="datetimeFigureOut">
               <a:rPr lang="ko-KR" altLang="en-US" smtClean="0"/>
               <a:pPr/>
-              <a:t>2019-05-31</a:t>
+              <a:t>2019-09-05</a:t>
             </a:fld>
             <a:endParaRPr lang="ko-KR" altLang="en-US"/>
           </a:p>
@@ -2058,10 +2058,9 @@
           </a:lstStyle>
           <a:p>
             <a:r>
-              <a:rPr lang="ko-KR" altLang="en-US" smtClean="0"/>
+              <a:rPr lang="ko-KR" altLang="en-US"/>
               <a:t>마스터 제목 스타일 편집</a:t>
             </a:r>
-            <a:endParaRPr lang="ko-KR" altLang="en-US"/>
           </a:p>
         </p:txBody>
       </p:sp>
@@ -2115,38 +2114,37 @@
           <a:p>
             <a:pPr lvl="0"/>
             <a:r>
-              <a:rPr lang="ko-KR" altLang="en-US" smtClean="0"/>
+              <a:rPr lang="ko-KR" altLang="en-US"/>
               <a:t>마스터 텍스트 스타일을 편집합니다</a:t>
             </a:r>
           </a:p>
           <a:p>
             <a:pPr lvl="1"/>
             <a:r>
-              <a:rPr lang="ko-KR" altLang="en-US" smtClean="0"/>
+              <a:rPr lang="ko-KR" altLang="en-US"/>
               <a:t>둘째 수준</a:t>
             </a:r>
           </a:p>
           <a:p>
             <a:pPr lvl="2"/>
             <a:r>
-              <a:rPr lang="ko-KR" altLang="en-US" smtClean="0"/>
+              <a:rPr lang="ko-KR" altLang="en-US"/>
               <a:t>셋째 수준</a:t>
             </a:r>
           </a:p>
           <a:p>
             <a:pPr lvl="3"/>
             <a:r>
-              <a:rPr lang="ko-KR" altLang="en-US" smtClean="0"/>
+              <a:rPr lang="ko-KR" altLang="en-US"/>
               <a:t>넷째 수준</a:t>
             </a:r>
           </a:p>
           <a:p>
             <a:pPr lvl="4"/>
             <a:r>
-              <a:rPr lang="ko-KR" altLang="en-US" smtClean="0"/>
+              <a:rPr lang="ko-KR" altLang="en-US"/>
               <a:t>다섯째 수준</a:t>
             </a:r>
-            <a:endParaRPr lang="ko-KR" altLang="en-US"/>
           </a:p>
         </p:txBody>
       </p:sp>
@@ -2209,7 +2207,7 @@
           <a:p>
             <a:pPr lvl="0"/>
             <a:r>
-              <a:rPr lang="ko-KR" altLang="en-US" smtClean="0"/>
+              <a:rPr lang="ko-KR" altLang="en-US"/>
               <a:t>마스터 텍스트 스타일을 편집합니다</a:t>
             </a:r>
           </a:p>
@@ -2233,7 +2231,7 @@
             <a:fld id="{A9526803-B7FA-492F-9530-15EFBEF2C837}" type="datetimeFigureOut">
               <a:rPr lang="ko-KR" altLang="en-US" smtClean="0"/>
               <a:pPr/>
-              <a:t>2019-05-31</a:t>
+              <a:t>2019-09-05</a:t>
             </a:fld>
             <a:endParaRPr lang="ko-KR" altLang="en-US"/>
           </a:p>
@@ -2332,10 +2330,9 @@
           </a:lstStyle>
           <a:p>
             <a:r>
-              <a:rPr lang="ko-KR" altLang="en-US" smtClean="0"/>
+              <a:rPr lang="ko-KR" altLang="en-US"/>
               <a:t>마스터 제목 스타일 편집</a:t>
             </a:r>
-            <a:endParaRPr lang="ko-KR" altLang="en-US"/>
           </a:p>
         </p:txBody>
       </p:sp>
@@ -2459,7 +2456,7 @@
           <a:p>
             <a:pPr lvl="0"/>
             <a:r>
-              <a:rPr lang="ko-KR" altLang="en-US" smtClean="0"/>
+              <a:rPr lang="ko-KR" altLang="en-US"/>
               <a:t>마스터 텍스트 스타일을 편집합니다</a:t>
             </a:r>
           </a:p>
@@ -2483,7 +2480,7 @@
             <a:fld id="{A9526803-B7FA-492F-9530-15EFBEF2C837}" type="datetimeFigureOut">
               <a:rPr lang="ko-KR" altLang="en-US" smtClean="0"/>
               <a:pPr/>
-              <a:t>2019-05-31</a:t>
+              <a:t>2019-09-05</a:t>
             </a:fld>
             <a:endParaRPr lang="ko-KR" altLang="en-US"/>
           </a:p>
@@ -2588,10 +2585,9 @@
           <a:lstStyle/>
           <a:p>
             <a:r>
-              <a:rPr lang="ko-KR" altLang="en-US" smtClean="0"/>
+              <a:rPr lang="ko-KR" altLang="en-US"/>
               <a:t>마스터 제목 스타일 편집</a:t>
             </a:r>
-            <a:endParaRPr lang="ko-KR" altLang="en-US"/>
           </a:p>
         </p:txBody>
       </p:sp>
@@ -2622,38 +2618,37 @@
           <a:p>
             <a:pPr lvl="0"/>
             <a:r>
-              <a:rPr lang="ko-KR" altLang="en-US" smtClean="0"/>
+              <a:rPr lang="ko-KR" altLang="en-US"/>
               <a:t>마스터 텍스트 스타일을 편집합니다</a:t>
             </a:r>
           </a:p>
           <a:p>
             <a:pPr lvl="1"/>
             <a:r>
-              <a:rPr lang="ko-KR" altLang="en-US" smtClean="0"/>
+              <a:rPr lang="ko-KR" altLang="en-US"/>
               <a:t>둘째 수준</a:t>
             </a:r>
           </a:p>
           <a:p>
             <a:pPr lvl="2"/>
             <a:r>
-              <a:rPr lang="ko-KR" altLang="en-US" smtClean="0"/>
+              <a:rPr lang="ko-KR" altLang="en-US"/>
               <a:t>셋째 수준</a:t>
             </a:r>
           </a:p>
           <a:p>
             <a:pPr lvl="3"/>
             <a:r>
-              <a:rPr lang="ko-KR" altLang="en-US" smtClean="0"/>
+              <a:rPr lang="ko-KR" altLang="en-US"/>
               <a:t>넷째 수준</a:t>
             </a:r>
           </a:p>
           <a:p>
             <a:pPr lvl="4"/>
             <a:r>
-              <a:rPr lang="ko-KR" altLang="en-US" smtClean="0"/>
+              <a:rPr lang="ko-KR" altLang="en-US"/>
               <a:t>다섯째 수준</a:t>
             </a:r>
-            <a:endParaRPr lang="ko-KR" altLang="en-US"/>
           </a:p>
         </p:txBody>
       </p:sp>
@@ -2693,7 +2688,7 @@
             <a:fld id="{A9526803-B7FA-492F-9530-15EFBEF2C837}" type="datetimeFigureOut">
               <a:rPr lang="ko-KR" altLang="en-US" smtClean="0"/>
               <a:pPr/>
-              <a:t>2019-05-31</a:t>
+              <a:t>2019-09-05</a:t>
             </a:fld>
             <a:endParaRPr lang="ko-KR" altLang="en-US"/>
           </a:p>
@@ -3080,22 +3075,21 @@
           <a:lstStyle/>
           <a:p>
             <a:r>
-              <a:rPr lang="en-US" altLang="ko-KR" dirty="0" smtClean="0"/>
+              <a:rPr lang="en-US" altLang="ko-KR" dirty="0"/>
               <a:t>history</a:t>
             </a:r>
             <a:r>
-              <a:rPr lang="ko-KR" altLang="en-US" dirty="0" smtClean="0"/>
+              <a:rPr lang="ko-KR" altLang="en-US" dirty="0"/>
               <a:t> </a:t>
             </a:r>
             <a:r>
-              <a:rPr lang="ko-KR" altLang="en-US" dirty="0" err="1" smtClean="0"/>
+              <a:rPr lang="ko-KR" altLang="en-US" dirty="0" err="1"/>
               <a:t>입력기</a:t>
             </a:r>
             <a:r>
-              <a:rPr lang="ko-KR" altLang="en-US" dirty="0" smtClean="0"/>
+              <a:rPr lang="ko-KR" altLang="en-US" dirty="0"/>
               <a:t> 사용법</a:t>
             </a:r>
-            <a:endParaRPr lang="ko-KR" altLang="en-US" dirty="0"/>
           </a:p>
         </p:txBody>
       </p:sp>
@@ -3115,10 +3109,9 @@
           <a:lstStyle/>
           <a:p>
             <a:r>
-              <a:rPr lang="ko-KR" altLang="en-US" dirty="0" smtClean="0"/>
+              <a:rPr lang="ko-KR" altLang="en-US" dirty="0"/>
               <a:t>웹 어플리케이션</a:t>
             </a:r>
-            <a:endParaRPr lang="ko-KR" altLang="en-US" dirty="0"/>
           </a:p>
         </p:txBody>
       </p:sp>
@@ -3145,11 +3138,11 @@
           <a:p>
             <a:pPr algn="r"/>
             <a:r>
-              <a:rPr lang="ko-KR" altLang="en-US" dirty="0" smtClean="0"/>
+              <a:rPr lang="ko-KR" altLang="en-US" dirty="0"/>
               <a:t>한상규</a:t>
             </a:r>
             <a:r>
-              <a:rPr lang="en-US" altLang="ko-KR" dirty="0" smtClean="0"/>
+              <a:rPr lang="en-US" altLang="ko-KR" dirty="0"/>
               <a:t>(kkyu67@naver.com)</a:t>
             </a:r>
             <a:endParaRPr lang="ko-KR" altLang="en-US" dirty="0"/>
@@ -3197,14 +3190,13 @@
           <a:lstStyle/>
           <a:p>
             <a:r>
-              <a:rPr lang="ko-KR" altLang="en-US" dirty="0" err="1" smtClean="0"/>
+              <a:rPr lang="ko-KR" altLang="en-US" dirty="0" err="1"/>
               <a:t>시작전</a:t>
             </a:r>
             <a:r>
-              <a:rPr lang="ko-KR" altLang="en-US" dirty="0" smtClean="0"/>
+              <a:rPr lang="ko-KR" altLang="en-US" dirty="0"/>
               <a:t> 주의사항</a:t>
             </a:r>
-            <a:endParaRPr lang="ko-KR" altLang="en-US" dirty="0"/>
           </a:p>
         </p:txBody>
       </p:sp>
@@ -3229,45 +3221,37 @@
               <a:buNone/>
             </a:pPr>
             <a:r>
-              <a:rPr lang="en-US" altLang="ko-KR" sz="2000" dirty="0" smtClean="0"/>
+              <a:rPr lang="en-US" altLang="ko-KR" sz="2000" dirty="0"/>
               <a:t>1. </a:t>
             </a:r>
             <a:r>
-              <a:rPr lang="ko-KR" altLang="en-US" sz="2000" dirty="0" smtClean="0"/>
+              <a:rPr lang="ko-KR" altLang="en-US" sz="2000" dirty="0"/>
               <a:t>크롬을 </a:t>
             </a:r>
             <a:r>
-              <a:rPr lang="ko-KR" altLang="en-US" sz="2000" smtClean="0"/>
+              <a:rPr lang="ko-KR" altLang="en-US" sz="2000"/>
               <a:t>사용해주세요</a:t>
             </a:r>
             <a:r>
-              <a:rPr lang="en-US" altLang="ko-KR" sz="2000" smtClean="0"/>
-              <a:t>.(</a:t>
-            </a:r>
-            <a:r>
-              <a:rPr lang="ko-KR" altLang="en-US" sz="2000" smtClean="0"/>
-              <a:t>인터넷 연결 필수</a:t>
-            </a:r>
-            <a:r>
-              <a:rPr lang="en-US" altLang="ko-KR" sz="2000" smtClean="0"/>
-              <a:t>)</a:t>
-            </a:r>
-            <a:endParaRPr lang="en-US" altLang="ko-KR" sz="2000" dirty="0" smtClean="0"/>
+              <a:rPr lang="en-US" altLang="ko-KR" sz="2000"/>
+              <a:t>.</a:t>
+            </a:r>
+            <a:endParaRPr lang="en-US" altLang="ko-KR" sz="2000" dirty="0"/>
           </a:p>
           <a:p>
             <a:pPr marL="457200" indent="-457200">
               <a:buNone/>
             </a:pPr>
             <a:r>
-              <a:rPr lang="en-US" altLang="ko-KR" sz="2000" dirty="0" smtClean="0"/>
+              <a:rPr lang="en-US" altLang="ko-KR" sz="2000" dirty="0"/>
               <a:t>2. </a:t>
             </a:r>
             <a:r>
-              <a:rPr lang="ko-KR" altLang="en-US" sz="2000" dirty="0" smtClean="0"/>
+              <a:rPr lang="ko-KR" altLang="en-US" sz="2000" dirty="0"/>
               <a:t>엑셀 파일에 빈 데이터가 없어야 합니다</a:t>
             </a:r>
             <a:r>
-              <a:rPr lang="en-US" altLang="ko-KR" sz="2000" dirty="0" smtClean="0"/>
+              <a:rPr lang="en-US" altLang="ko-KR" sz="2000" dirty="0"/>
               <a:t>.</a:t>
             </a:r>
           </a:p>
@@ -3276,7 +3260,7 @@
               <a:buNone/>
             </a:pPr>
             <a:r>
-              <a:rPr lang="en-US" altLang="ko-KR" sz="2000" dirty="0" smtClean="0"/>
+              <a:rPr lang="en-US" altLang="ko-KR" sz="2000" dirty="0"/>
               <a:t>     </a:t>
             </a:r>
           </a:p>
@@ -3284,7 +3268,7 @@
             <a:pPr marL="457200" indent="-457200">
               <a:buNone/>
             </a:pPr>
-            <a:endParaRPr lang="en-US" altLang="ko-KR" sz="2000" dirty="0" smtClean="0"/>
+            <a:endParaRPr lang="en-US" altLang="ko-KR" sz="2000" dirty="0"/>
           </a:p>
           <a:p>
             <a:pPr marL="457200" indent="-457200">
@@ -3316,23 +3300,23 @@
           <a:lstStyle/>
           <a:p>
             <a:r>
-              <a:rPr lang="en-US" altLang="ko-KR" dirty="0" smtClean="0"/>
+              <a:rPr lang="en-US" altLang="ko-KR" dirty="0"/>
               <a:t>(ex. </a:t>
             </a:r>
             <a:r>
-              <a:rPr lang="ko-KR" altLang="en-US" dirty="0" smtClean="0"/>
-              <a:t>호실에 아무런 값도 입력되지 </a:t>
-            </a:r>
-            <a:r>
-              <a:rPr lang="ko-KR" altLang="en-US" dirty="0" err="1" smtClean="0"/>
-              <a:t>않았은</a:t>
-            </a:r>
-            <a:r>
-              <a:rPr lang="ko-KR" altLang="en-US" dirty="0" smtClean="0"/>
-              <a:t> 경우 정상적으로 프로그램이 작동하지 않습니다</a:t>
-            </a:r>
-            <a:r>
-              <a:rPr lang="en-US" altLang="ko-KR" dirty="0" smtClean="0"/>
+              <a:rPr lang="ko-KR" altLang="en-US" dirty="0"/>
+              <a:t>호실에 아무런 값도 </a:t>
+            </a:r>
+            <a:r>
+              <a:rPr lang="ko-KR" altLang="en-US"/>
+              <a:t>입력되지 않은 </a:t>
+            </a:r>
+            <a:r>
+              <a:rPr lang="ko-KR" altLang="en-US" dirty="0"/>
+              <a:t>경우 정상적으로 프로그램이 작동하지 않습니다</a:t>
+            </a:r>
+            <a:r>
+              <a:rPr lang="en-US" altLang="ko-KR" dirty="0"/>
               <a:t>.)</a:t>
             </a:r>
             <a:endParaRPr lang="ko-KR" altLang="en-US" dirty="0"/>
@@ -3492,10 +3476,9 @@
           <a:lstStyle/>
           <a:p>
             <a:r>
-              <a:rPr lang="ko-KR" altLang="en-US" dirty="0" smtClean="0"/>
+              <a:rPr lang="ko-KR" altLang="en-US" dirty="0"/>
               <a:t>크롬 환경구성하기</a:t>
             </a:r>
-            <a:endParaRPr lang="ko-KR" altLang="en-US" dirty="0"/>
           </a:p>
         </p:txBody>
       </p:sp>
@@ -3521,7 +3504,7 @@
           <a:lstStyle/>
           <a:p>
             <a:r>
-              <a:rPr lang="en-US" altLang="ko-KR" dirty="0" smtClean="0"/>
+              <a:rPr lang="en-US" altLang="ko-KR" dirty="0"/>
               <a:t> --disable-web-security --user-data-dir</a:t>
             </a:r>
             <a:endParaRPr lang="ko-KR" altLang="en-US" dirty="0"/>
@@ -3550,41 +3533,41 @@
           <a:lstStyle/>
           <a:p>
             <a:r>
-              <a:rPr lang="en-US" altLang="ko-KR" dirty="0" smtClean="0"/>
+              <a:rPr lang="en-US" altLang="ko-KR" dirty="0"/>
               <a:t>1. </a:t>
             </a:r>
             <a:r>
-              <a:rPr lang="ko-KR" altLang="en-US" dirty="0" smtClean="0"/>
+              <a:rPr lang="ko-KR" altLang="en-US" dirty="0"/>
               <a:t>크롬 속성을 열고 대상 맨 뒤에 </a:t>
             </a:r>
             <a:r>
-              <a:rPr lang="ko-KR" altLang="en-US" dirty="0" err="1" smtClean="0"/>
+              <a:rPr lang="ko-KR" altLang="en-US" dirty="0" err="1"/>
               <a:t>윗</a:t>
             </a:r>
             <a:r>
-              <a:rPr lang="ko-KR" altLang="en-US" dirty="0" smtClean="0"/>
+              <a:rPr lang="ko-KR" altLang="en-US" dirty="0"/>
               <a:t> 문장을 </a:t>
             </a:r>
             <a:r>
-              <a:rPr lang="ko-KR" altLang="en-US" dirty="0" err="1" smtClean="0"/>
+              <a:rPr lang="ko-KR" altLang="en-US" dirty="0" err="1"/>
               <a:t>붙여넣어주세요</a:t>
             </a:r>
             <a:r>
-              <a:rPr lang="en-US" altLang="ko-KR" dirty="0" smtClean="0"/>
+              <a:rPr lang="en-US" altLang="ko-KR" dirty="0"/>
               <a:t>.</a:t>
             </a:r>
           </a:p>
           <a:p>
             <a:r>
-              <a:rPr lang="ko-KR" altLang="en-US" dirty="0" smtClean="0"/>
+              <a:rPr lang="ko-KR" altLang="en-US" dirty="0"/>
               <a:t>적용을 누르고 크롬을 </a:t>
             </a:r>
             <a:r>
-              <a:rPr lang="ko-KR" altLang="en-US" dirty="0" err="1" smtClean="0"/>
+              <a:rPr lang="ko-KR" altLang="en-US" dirty="0" err="1"/>
               <a:t>재시작합니다</a:t>
             </a:r>
             <a:r>
-              <a:rPr lang="en-US" altLang="ko-KR" dirty="0" smtClean="0"/>
+              <a:rPr lang="en-US" altLang="ko-KR" dirty="0"/>
               <a:t>.</a:t>
             </a:r>
             <a:endParaRPr lang="ko-KR" altLang="en-US" dirty="0"/>
@@ -3645,15 +3628,15 @@
           <a:lstStyle/>
           <a:p>
             <a:r>
-              <a:rPr lang="en-US" altLang="ko-KR" sz="1600" dirty="0" smtClean="0"/>
+              <a:rPr lang="en-US" altLang="ko-KR" sz="1600" dirty="0"/>
               <a:t>2. </a:t>
             </a:r>
             <a:r>
-              <a:rPr lang="ko-KR" altLang="en-US" sz="1600" dirty="0" smtClean="0"/>
+              <a:rPr lang="ko-KR" altLang="en-US" sz="1600" dirty="0"/>
               <a:t>이런 메시지가 상단에 나왔다면 정상적으로 설정된 것입니다</a:t>
             </a:r>
             <a:r>
-              <a:rPr lang="en-US" altLang="ko-KR" sz="1600" dirty="0" smtClean="0"/>
+              <a:rPr lang="en-US" altLang="ko-KR" sz="1600" dirty="0"/>
               <a:t>.</a:t>
             </a:r>
             <a:endParaRPr lang="ko-KR" altLang="en-US" sz="1600" dirty="0"/>
@@ -3825,10 +3808,9 @@
           <a:lstStyle/>
           <a:p>
             <a:r>
-              <a:rPr lang="ko-KR" altLang="en-US" dirty="0" smtClean="0"/>
+              <a:rPr lang="ko-KR" altLang="en-US" dirty="0"/>
               <a:t>사용하기</a:t>
             </a:r>
-            <a:endParaRPr lang="ko-KR" altLang="en-US" dirty="0"/>
           </a:p>
         </p:txBody>
       </p:sp>
@@ -3888,31 +3870,31 @@
           <a:lstStyle/>
           <a:p>
             <a:r>
-              <a:rPr lang="en-US" altLang="ko-KR" dirty="0" smtClean="0"/>
+              <a:rPr lang="en-US" altLang="ko-KR" dirty="0"/>
               <a:t>1. </a:t>
             </a:r>
             <a:r>
-              <a:rPr lang="ko-KR" altLang="en-US" dirty="0" smtClean="0"/>
+              <a:rPr lang="ko-KR" altLang="en-US" dirty="0"/>
               <a:t>엑셀 파일을 </a:t>
             </a:r>
             <a:r>
-              <a:rPr lang="en-US" altLang="ko-KR" dirty="0" smtClean="0"/>
+              <a:rPr lang="en-US" altLang="ko-KR" dirty="0"/>
               <a:t>“history</a:t>
             </a:r>
             <a:r>
-              <a:rPr lang="ko-KR" altLang="en-US" dirty="0" err="1" smtClean="0"/>
+              <a:rPr lang="ko-KR" altLang="en-US" dirty="0" err="1"/>
               <a:t>입력기</a:t>
             </a:r>
             <a:r>
-              <a:rPr lang="en-US" altLang="ko-KR" dirty="0" smtClean="0"/>
+              <a:rPr lang="en-US" altLang="ko-KR" dirty="0"/>
               <a:t>.html”</a:t>
             </a:r>
             <a:r>
-              <a:rPr lang="ko-KR" altLang="en-US" dirty="0" smtClean="0"/>
+              <a:rPr lang="ko-KR" altLang="en-US" dirty="0"/>
               <a:t>과 같은 경로에 놓습니다</a:t>
             </a:r>
             <a:r>
-              <a:rPr lang="en-US" altLang="ko-KR" dirty="0" smtClean="0"/>
+              <a:rPr lang="en-US" altLang="ko-KR" dirty="0"/>
               <a:t>.</a:t>
             </a:r>
             <a:endParaRPr lang="ko-KR" altLang="en-US" dirty="0"/>
@@ -3974,34 +3956,30 @@
           <a:p>
             <a:r>
               <a:rPr lang="en-US" altLang="ko-KR" dirty="0"/>
-              <a:t>2</a:t>
-            </a:r>
-            <a:r>
-              <a:rPr lang="en-US" altLang="ko-KR" dirty="0" smtClean="0"/>
+              <a:t>2. </a:t>
+            </a:r>
+            <a:r>
+              <a:rPr lang="ko-KR" altLang="en-US" dirty="0"/>
+              <a:t>엑셀 파일의 이름을 </a:t>
+            </a:r>
+            <a:r>
+              <a:rPr lang="ko-KR" altLang="en-US" dirty="0" err="1"/>
+              <a:t>확장작까지</a:t>
+            </a:r>
+            <a:r>
+              <a:rPr lang="ko-KR" altLang="en-US" dirty="0"/>
+              <a:t> 입력합니다</a:t>
+            </a:r>
+            <a:r>
+              <a:rPr lang="en-US" altLang="ko-KR" dirty="0"/>
               <a:t>. </a:t>
             </a:r>
             <a:r>
-              <a:rPr lang="ko-KR" altLang="en-US" dirty="0" smtClean="0"/>
-              <a:t>엑셀 파일의 이름을 </a:t>
-            </a:r>
-            <a:r>
-              <a:rPr lang="ko-KR" altLang="en-US" dirty="0" err="1" smtClean="0"/>
-              <a:t>확장작까지</a:t>
-            </a:r>
-            <a:r>
-              <a:rPr lang="ko-KR" altLang="en-US" dirty="0" smtClean="0"/>
-              <a:t> 입력합니다</a:t>
-            </a:r>
-            <a:r>
-              <a:rPr lang="en-US" altLang="ko-KR" dirty="0" smtClean="0"/>
-              <a:t>. </a:t>
-            </a:r>
-            <a:r>
-              <a:rPr lang="ko-KR" altLang="en-US" dirty="0" smtClean="0"/>
+              <a:rPr lang="ko-KR" altLang="en-US" dirty="0"/>
               <a:t>그 후 확인을 클릭합니다</a:t>
             </a:r>
             <a:r>
-              <a:rPr lang="en-US" altLang="ko-KR" dirty="0" smtClean="0"/>
+              <a:rPr lang="en-US" altLang="ko-KR" dirty="0"/>
               <a:t>.</a:t>
             </a:r>
             <a:endParaRPr lang="ko-KR" altLang="en-US" dirty="0"/>
@@ -4060,7 +4038,7 @@
           <a:lstStyle/>
           <a:p>
             <a:r>
-              <a:rPr lang="ko-KR" altLang="en-US" smtClean="0"/>
+              <a:rPr lang="ko-KR" altLang="en-US"/>
               <a:t>같아야 함</a:t>
             </a:r>
             <a:endParaRPr lang="ko-KR" altLang="en-US" dirty="0"/>
@@ -4108,10 +4086,9 @@
           <a:lstStyle/>
           <a:p>
             <a:r>
-              <a:rPr lang="ko-KR" altLang="en-US" dirty="0" smtClean="0"/>
+              <a:rPr lang="ko-KR" altLang="en-US" dirty="0"/>
               <a:t>사용하기</a:t>
             </a:r>
-            <a:endParaRPr lang="ko-KR" altLang="en-US" dirty="0"/>
           </a:p>
         </p:txBody>
       </p:sp>
@@ -4171,11 +4148,11 @@
           <a:lstStyle/>
           <a:p>
             <a:r>
-              <a:rPr lang="ko-KR" altLang="en-US" dirty="0" smtClean="0"/>
+              <a:rPr lang="ko-KR" altLang="en-US" dirty="0"/>
               <a:t>위와 같은 메시지가 나왔다면 다운로드를 누르고 작업이 완료될 때까지 기다립니다</a:t>
             </a:r>
             <a:r>
-              <a:rPr lang="en-US" altLang="ko-KR" dirty="0" smtClean="0"/>
+              <a:rPr lang="en-US" altLang="ko-KR" dirty="0"/>
               <a:t>.</a:t>
             </a:r>
             <a:endParaRPr lang="ko-KR" altLang="en-US" dirty="0"/>
@@ -4223,10 +4200,9 @@
           <a:lstStyle/>
           <a:p>
             <a:r>
-              <a:rPr lang="ko-KR" altLang="en-US" dirty="0" smtClean="0"/>
+              <a:rPr lang="ko-KR" altLang="en-US" dirty="0"/>
               <a:t>팁</a:t>
             </a:r>
-            <a:endParaRPr lang="ko-KR" altLang="en-US" dirty="0"/>
           </a:p>
         </p:txBody>
       </p:sp>
@@ -4286,23 +4262,23 @@
           <a:lstStyle/>
           <a:p>
             <a:r>
-              <a:rPr lang="en-US" altLang="ko-KR" dirty="0" smtClean="0"/>
+              <a:rPr lang="en-US" altLang="ko-KR" dirty="0"/>
               <a:t>F12</a:t>
             </a:r>
             <a:r>
-              <a:rPr lang="ko-KR" altLang="en-US" dirty="0" smtClean="0"/>
+              <a:rPr lang="ko-KR" altLang="en-US" dirty="0"/>
               <a:t>를 눌러 </a:t>
             </a:r>
             <a:r>
-              <a:rPr lang="en-US" altLang="ko-KR" dirty="0" smtClean="0"/>
+              <a:rPr lang="en-US" altLang="ko-KR" dirty="0"/>
               <a:t>console</a:t>
             </a:r>
             <a:r>
-              <a:rPr lang="ko-KR" altLang="en-US" dirty="0" smtClean="0"/>
+              <a:rPr lang="ko-KR" altLang="en-US" dirty="0"/>
               <a:t>창을 보면 진행상황을 확인할 수 있습니다</a:t>
             </a:r>
             <a:r>
-              <a:rPr lang="en-US" altLang="ko-KR" dirty="0" smtClean="0"/>
+              <a:rPr lang="en-US" altLang="ko-KR" dirty="0"/>
               <a:t>.</a:t>
             </a:r>
             <a:endParaRPr lang="ko-KR" altLang="en-US" dirty="0"/>

--- a/history 입력기 사용법.pptx
+++ b/history 입력기 사용법.pptx
@@ -11,6 +11,7 @@
     <p:sldId id="259" r:id="rId5"/>
     <p:sldId id="260" r:id="rId6"/>
     <p:sldId id="261" r:id="rId7"/>
+    <p:sldId id="262" r:id="rId8"/>
   </p:sldIdLst>
   <p:sldSz cx="9144000" cy="6858000" type="screen4x3"/>
   <p:notesSz cx="6858000" cy="9144000"/>
@@ -308,7 +309,7 @@
             <a:fld id="{A9526803-B7FA-492F-9530-15EFBEF2C837}" type="datetimeFigureOut">
               <a:rPr lang="ko-KR" altLang="en-US" smtClean="0"/>
               <a:pPr/>
-              <a:t>2019-09-05</a:t>
+              <a:t>2019-09-21</a:t>
             </a:fld>
             <a:endParaRPr lang="ko-KR" altLang="en-US"/>
           </a:p>
@@ -473,7 +474,7 @@
             <a:fld id="{A9526803-B7FA-492F-9530-15EFBEF2C837}" type="datetimeFigureOut">
               <a:rPr lang="ko-KR" altLang="en-US" smtClean="0"/>
               <a:pPr/>
-              <a:t>2019-09-05</a:t>
+              <a:t>2019-09-21</a:t>
             </a:fld>
             <a:endParaRPr lang="ko-KR" altLang="en-US"/>
           </a:p>
@@ -648,7 +649,7 @@
             <a:fld id="{A9526803-B7FA-492F-9530-15EFBEF2C837}" type="datetimeFigureOut">
               <a:rPr lang="ko-KR" altLang="en-US" smtClean="0"/>
               <a:pPr/>
-              <a:t>2019-09-05</a:t>
+              <a:t>2019-09-21</a:t>
             </a:fld>
             <a:endParaRPr lang="ko-KR" altLang="en-US"/>
           </a:p>
@@ -813,7 +814,7 @@
             <a:fld id="{A9526803-B7FA-492F-9530-15EFBEF2C837}" type="datetimeFigureOut">
               <a:rPr lang="ko-KR" altLang="en-US" smtClean="0"/>
               <a:pPr/>
-              <a:t>2019-09-05</a:t>
+              <a:t>2019-09-21</a:t>
             </a:fld>
             <a:endParaRPr lang="ko-KR" altLang="en-US"/>
           </a:p>
@@ -1055,7 +1056,7 @@
             <a:fld id="{A9526803-B7FA-492F-9530-15EFBEF2C837}" type="datetimeFigureOut">
               <a:rPr lang="ko-KR" altLang="en-US" smtClean="0"/>
               <a:pPr/>
-              <a:t>2019-09-05</a:t>
+              <a:t>2019-09-21</a:t>
             </a:fld>
             <a:endParaRPr lang="ko-KR" altLang="en-US"/>
           </a:p>
@@ -1337,7 +1338,7 @@
             <a:fld id="{A9526803-B7FA-492F-9530-15EFBEF2C837}" type="datetimeFigureOut">
               <a:rPr lang="ko-KR" altLang="en-US" smtClean="0"/>
               <a:pPr/>
-              <a:t>2019-09-05</a:t>
+              <a:t>2019-09-21</a:t>
             </a:fld>
             <a:endParaRPr lang="ko-KR" altLang="en-US"/>
           </a:p>
@@ -1753,7 +1754,7 @@
             <a:fld id="{A9526803-B7FA-492F-9530-15EFBEF2C837}" type="datetimeFigureOut">
               <a:rPr lang="ko-KR" altLang="en-US" smtClean="0"/>
               <a:pPr/>
-              <a:t>2019-09-05</a:t>
+              <a:t>2019-09-21</a:t>
             </a:fld>
             <a:endParaRPr lang="ko-KR" altLang="en-US"/>
           </a:p>
@@ -1867,7 +1868,7 @@
             <a:fld id="{A9526803-B7FA-492F-9530-15EFBEF2C837}" type="datetimeFigureOut">
               <a:rPr lang="ko-KR" altLang="en-US" smtClean="0"/>
               <a:pPr/>
-              <a:t>2019-09-05</a:t>
+              <a:t>2019-09-21</a:t>
             </a:fld>
             <a:endParaRPr lang="ko-KR" altLang="en-US"/>
           </a:p>
@@ -1959,7 +1960,7 @@
             <a:fld id="{A9526803-B7FA-492F-9530-15EFBEF2C837}" type="datetimeFigureOut">
               <a:rPr lang="ko-KR" altLang="en-US" smtClean="0"/>
               <a:pPr/>
-              <a:t>2019-09-05</a:t>
+              <a:t>2019-09-21</a:t>
             </a:fld>
             <a:endParaRPr lang="ko-KR" altLang="en-US"/>
           </a:p>
@@ -2231,7 +2232,7 @@
             <a:fld id="{A9526803-B7FA-492F-9530-15EFBEF2C837}" type="datetimeFigureOut">
               <a:rPr lang="ko-KR" altLang="en-US" smtClean="0"/>
               <a:pPr/>
-              <a:t>2019-09-05</a:t>
+              <a:t>2019-09-21</a:t>
             </a:fld>
             <a:endParaRPr lang="ko-KR" altLang="en-US"/>
           </a:p>
@@ -2480,7 +2481,7 @@
             <a:fld id="{A9526803-B7FA-492F-9530-15EFBEF2C837}" type="datetimeFigureOut">
               <a:rPr lang="ko-KR" altLang="en-US" smtClean="0"/>
               <a:pPr/>
-              <a:t>2019-09-05</a:t>
+              <a:t>2019-09-21</a:t>
             </a:fld>
             <a:endParaRPr lang="ko-KR" altLang="en-US"/>
           </a:p>
@@ -2688,7 +2689,7 @@
             <a:fld id="{A9526803-B7FA-492F-9530-15EFBEF2C837}" type="datetimeFigureOut">
               <a:rPr lang="ko-KR" altLang="en-US" smtClean="0"/>
               <a:pPr/>
-              <a:t>2019-09-05</a:t>
+              <a:t>2019-09-21</a:t>
             </a:fld>
             <a:endParaRPr lang="ko-KR" altLang="en-US"/>
           </a:p>
@@ -4286,6 +4287,247 @@
         </p:txBody>
       </p:sp>
     </p:spTree>
+  </p:cSld>
+  <p:clrMapOvr>
+    <a:masterClrMapping/>
+  </p:clrMapOvr>
+</p:sld>
+</file>
+
+<file path=ppt/slides/slide7.xml><?xml version="1.0" encoding="utf-8"?>
+<p:sld xmlns:a="http://schemas.openxmlformats.org/drawingml/2006/main" xmlns:r="http://schemas.openxmlformats.org/officeDocument/2006/relationships" xmlns:p="http://schemas.openxmlformats.org/presentationml/2006/main">
+  <p:cSld>
+    <p:spTree>
+      <p:nvGrpSpPr>
+        <p:cNvPr id="1" name=""/>
+        <p:cNvGrpSpPr/>
+        <p:nvPr/>
+      </p:nvGrpSpPr>
+      <p:grpSpPr>
+        <a:xfrm>
+          <a:off x="0" y="0"/>
+          <a:ext cx="0" cy="0"/>
+          <a:chOff x="0" y="0"/>
+          <a:chExt cx="0" cy="0"/>
+        </a:xfrm>
+      </p:grpSpPr>
+      <p:pic>
+        <p:nvPicPr>
+          <p:cNvPr id="2052" name="Picture 4"/>
+          <p:cNvPicPr>
+            <a:picLocks noGrp="1" noChangeAspect="1" noChangeArrowheads="1"/>
+          </p:cNvPicPr>
+          <p:nvPr>
+            <p:ph idx="1"/>
+          </p:nvPr>
+        </p:nvPicPr>
+        <p:blipFill>
+          <a:blip r:embed="rId2" cstate="print"/>
+          <a:srcRect/>
+          <a:stretch>
+            <a:fillRect/>
+          </a:stretch>
+        </p:blipFill>
+        <p:spPr bwMode="auto">
+          <a:xfrm>
+            <a:off x="364597" y="1313182"/>
+            <a:ext cx="4068701" cy="4525963"/>
+          </a:xfrm>
+          <a:prstGeom prst="rect">
+            <a:avLst/>
+          </a:prstGeom>
+          <a:noFill/>
+          <a:ln w="9525">
+            <a:noFill/>
+            <a:miter lim="800000"/>
+            <a:headEnd/>
+            <a:tailEnd/>
+          </a:ln>
+        </p:spPr>
+      </p:pic>
+      <p:sp>
+        <p:nvSpPr>
+          <p:cNvPr id="2" name="제목 1"/>
+          <p:cNvSpPr>
+            <a:spLocks noGrp="1"/>
+          </p:cNvSpPr>
+          <p:nvPr>
+            <p:ph type="title"/>
+          </p:nvPr>
+        </p:nvSpPr>
+        <p:spPr/>
+        <p:txBody>
+          <a:bodyPr>
+            <a:normAutofit fontScale="90000"/>
+          </a:bodyPr>
+          <a:lstStyle/>
+          <a:p>
+            <a:r>
+              <a:rPr lang="ko-KR" altLang="en-US">
+                <a:solidFill>
+                  <a:srgbClr val="FF0000"/>
+                </a:solidFill>
+              </a:rPr>
+              <a:t>사용후 꼭 대상에서 문장 지우기</a:t>
+            </a:r>
+            <a:endParaRPr lang="ko-KR" altLang="en-US" dirty="0">
+              <a:solidFill>
+                <a:srgbClr val="FF0000"/>
+              </a:solidFill>
+            </a:endParaRPr>
+          </a:p>
+        </p:txBody>
+      </p:sp>
+      <p:sp>
+        <p:nvSpPr>
+          <p:cNvPr id="5" name="직사각형 4"/>
+          <p:cNvSpPr/>
+          <p:nvPr/>
+        </p:nvSpPr>
+        <p:spPr>
+          <a:xfrm>
+            <a:off x="4683068" y="1407312"/>
+            <a:ext cx="4223400" cy="369332"/>
+          </a:xfrm>
+          <a:prstGeom prst="rect">
+            <a:avLst/>
+          </a:prstGeom>
+        </p:spPr>
+        <p:txBody>
+          <a:bodyPr wrap="none">
+            <a:spAutoFit/>
+          </a:bodyPr>
+          <a:lstStyle/>
+          <a:p>
+            <a:r>
+              <a:rPr lang="en-US" altLang="ko-KR" dirty="0"/>
+              <a:t> --disable-web-security --user-data-dir</a:t>
+            </a:r>
+            <a:endParaRPr lang="ko-KR" altLang="en-US" dirty="0"/>
+          </a:p>
+        </p:txBody>
+      </p:sp>
+      <p:sp>
+        <p:nvSpPr>
+          <p:cNvPr id="6" name="직사각형 5"/>
+          <p:cNvSpPr/>
+          <p:nvPr/>
+        </p:nvSpPr>
+        <p:spPr>
+          <a:xfrm>
+            <a:off x="4706413" y="2184256"/>
+            <a:ext cx="4306174" cy="646331"/>
+          </a:xfrm>
+          <a:prstGeom prst="rect">
+            <a:avLst/>
+          </a:prstGeom>
+        </p:spPr>
+        <p:txBody>
+          <a:bodyPr wrap="square">
+            <a:spAutoFit/>
+          </a:bodyPr>
+          <a:lstStyle/>
+          <a:p>
+            <a:r>
+              <a:rPr lang="en-US" altLang="ko-KR" dirty="0"/>
+              <a:t>1</a:t>
+            </a:r>
+            <a:r>
+              <a:rPr lang="en-US" altLang="ko-KR"/>
+              <a:t>. </a:t>
+            </a:r>
+            <a:r>
+              <a:rPr lang="ko-KR" altLang="en-US"/>
+              <a:t>프로그램 사용을 마치고 윗 문장을 삭제해주세요</a:t>
+            </a:r>
+            <a:endParaRPr lang="ko-KR" altLang="en-US" dirty="0"/>
+          </a:p>
+        </p:txBody>
+      </p:sp>
+      <p:sp>
+        <p:nvSpPr>
+          <p:cNvPr id="10" name="직사각형 9"/>
+          <p:cNvSpPr/>
+          <p:nvPr/>
+        </p:nvSpPr>
+        <p:spPr>
+          <a:xfrm>
+            <a:off x="1985555" y="2844943"/>
+            <a:ext cx="2177142" cy="220474"/>
+          </a:xfrm>
+          <a:prstGeom prst="rect">
+            <a:avLst/>
+          </a:prstGeom>
+          <a:noFill/>
+          <a:ln>
+            <a:solidFill>
+              <a:srgbClr val="FF0000"/>
+            </a:solidFill>
+          </a:ln>
+        </p:spPr>
+        <p:style>
+          <a:lnRef idx="2">
+            <a:schemeClr val="accent1">
+              <a:shade val="50000"/>
+            </a:schemeClr>
+          </a:lnRef>
+          <a:fillRef idx="1">
+            <a:schemeClr val="accent1"/>
+          </a:fillRef>
+          <a:effectRef idx="0">
+            <a:schemeClr val="accent1"/>
+          </a:effectRef>
+          <a:fontRef idx="minor">
+            <a:schemeClr val="lt1"/>
+          </a:fontRef>
+        </p:style>
+        <p:txBody>
+          <a:bodyPr rtlCol="0" anchor="ctr"/>
+          <a:lstStyle/>
+          <a:p>
+            <a:pPr algn="ctr"/>
+            <a:endParaRPr lang="ko-KR" altLang="en-US"/>
+          </a:p>
+        </p:txBody>
+      </p:sp>
+      <p:pic>
+        <p:nvPicPr>
+          <p:cNvPr id="1026" name="Picture 2"/>
+          <p:cNvPicPr>
+            <a:picLocks noChangeAspect="1" noChangeArrowheads="1"/>
+          </p:cNvPicPr>
+          <p:nvPr/>
+        </p:nvPicPr>
+        <p:blipFill>
+          <a:blip r:embed="rId3" cstate="print"/>
+          <a:srcRect l="51874" t="71833" r="40448" b="168"/>
+          <a:stretch>
+            <a:fillRect/>
+          </a:stretch>
+        </p:blipFill>
+        <p:spPr bwMode="auto">
+          <a:xfrm>
+            <a:off x="-2484784" y="2924944"/>
+            <a:ext cx="2808312" cy="2880320"/>
+          </a:xfrm>
+          <a:prstGeom prst="rect">
+            <a:avLst/>
+          </a:prstGeom>
+          <a:noFill/>
+          <a:ln w="9525">
+            <a:noFill/>
+            <a:miter lim="800000"/>
+            <a:headEnd/>
+            <a:tailEnd/>
+          </a:ln>
+        </p:spPr>
+      </p:pic>
+    </p:spTree>
+    <p:extLst>
+      <p:ext uri="{BB962C8B-B14F-4D97-AF65-F5344CB8AC3E}">
+        <p14:creationId xmlns:p14="http://schemas.microsoft.com/office/powerpoint/2010/main" val="3732139195"/>
+      </p:ext>
+    </p:extLst>
   </p:cSld>
   <p:clrMapOvr>
     <a:masterClrMapping/>
